--- a/public/post/2020-04-26-florida-suicide-1/featured-flag.pptx
+++ b/public/post/2020-04-26-florida-suicide-1/featured-flag.pptx
@@ -7,7 +7,8 @@
   <p:sldIdLst>
     <p:sldId id="259" r:id="rId5"/>
     <p:sldId id="262" r:id="rId6"/>
-    <p:sldId id="263" r:id="rId7"/>
+    <p:sldId id="264" r:id="rId7"/>
+    <p:sldId id="263" r:id="rId8"/>
   </p:sldIdLst>
   <p:sldSz cx="7315200" cy="5376863"/>
   <p:notesSz cx="6858000" cy="9144000"/>
@@ -129,7 +130,7 @@
 <file path=ppt/revisionInfo.xml><?xml version="1.0" encoding="utf-8"?>
 <p1510:revInfo xmlns:a="http://schemas.openxmlformats.org/drawingml/2006/main" xmlns:r="http://schemas.openxmlformats.org/officeDocument/2006/relationships" xmlns:p1510="http://schemas.microsoft.com/office/powerpoint/2015/10/main">
   <p1510:revLst>
-    <p1510:client id="{F90777AA-9C1F-454E-9680-47E00A2A79C4}" v="52" dt="2020-05-25T12:20:58.517"/>
+    <p1510:client id="{C6BC0901-4640-4FFA-AD7A-747A93624F54}" v="8" dt="2020-08-30T19:48:25.056"/>
   </p1510:revLst>
 </p1510:revInfo>
 </file>
@@ -680,6 +681,77 @@
     </pc:docChg>
   </pc:docChgLst>
   <pc:docChgLst>
+    <pc:chgData name="Andriy Koval" userId="94b0ee10-df03-4853-b640-080a3ffc2346" providerId="ADAL" clId="{C6BC0901-4640-4FFA-AD7A-747A93624F54}"/>
+    <pc:docChg chg="undo custSel addSld modSld">
+      <pc:chgData name="Andriy Koval" userId="94b0ee10-df03-4853-b640-080a3ffc2346" providerId="ADAL" clId="{C6BC0901-4640-4FFA-AD7A-747A93624F54}" dt="2020-08-30T19:48:45.701" v="27" actId="1076"/>
+      <pc:docMkLst>
+        <pc:docMk/>
+      </pc:docMkLst>
+      <pc:sldChg chg="addSp mod">
+        <pc:chgData name="Andriy Koval" userId="94b0ee10-df03-4853-b640-080a3ffc2346" providerId="ADAL" clId="{C6BC0901-4640-4FFA-AD7A-747A93624F54}" dt="2020-08-30T19:47:16.737" v="0" actId="22"/>
+        <pc:sldMkLst>
+          <pc:docMk/>
+          <pc:sldMk cId="2971910026" sldId="262"/>
+        </pc:sldMkLst>
+        <pc:picChg chg="add">
+          <ac:chgData name="Andriy Koval" userId="94b0ee10-df03-4853-b640-080a3ffc2346" providerId="ADAL" clId="{C6BC0901-4640-4FFA-AD7A-747A93624F54}" dt="2020-08-30T19:47:16.737" v="0" actId="22"/>
+          <ac:picMkLst>
+            <pc:docMk/>
+            <pc:sldMk cId="2971910026" sldId="262"/>
+            <ac:picMk id="2" creationId="{8B65709D-4AA4-4097-803C-CC0A48BEE3F0}"/>
+          </ac:picMkLst>
+        </pc:picChg>
+      </pc:sldChg>
+      <pc:sldChg chg="addSp delSp modSp add mod">
+        <pc:chgData name="Andriy Koval" userId="94b0ee10-df03-4853-b640-080a3ffc2346" providerId="ADAL" clId="{C6BC0901-4640-4FFA-AD7A-747A93624F54}" dt="2020-08-30T19:48:45.701" v="27" actId="1076"/>
+        <pc:sldMkLst>
+          <pc:docMk/>
+          <pc:sldMk cId="2190735112" sldId="264"/>
+        </pc:sldMkLst>
+        <pc:picChg chg="mod">
+          <ac:chgData name="Andriy Koval" userId="94b0ee10-df03-4853-b640-080a3ffc2346" providerId="ADAL" clId="{C6BC0901-4640-4FFA-AD7A-747A93624F54}" dt="2020-08-30T19:48:11.664" v="20" actId="14100"/>
+          <ac:picMkLst>
+            <pc:docMk/>
+            <pc:sldMk cId="2190735112" sldId="264"/>
+            <ac:picMk id="2" creationId="{8B65709D-4AA4-4097-803C-CC0A48BEE3F0}"/>
+          </ac:picMkLst>
+        </pc:picChg>
+        <pc:picChg chg="add del mod">
+          <ac:chgData name="Andriy Koval" userId="94b0ee10-df03-4853-b640-080a3ffc2346" providerId="ADAL" clId="{C6BC0901-4640-4FFA-AD7A-747A93624F54}" dt="2020-08-30T19:48:45.701" v="27" actId="1076"/>
+          <ac:picMkLst>
+            <pc:docMk/>
+            <pc:sldMk cId="2190735112" sldId="264"/>
+            <ac:picMk id="6" creationId="{6C315C0F-6479-4433-B4F7-9C8106557D7C}"/>
+          </ac:picMkLst>
+        </pc:picChg>
+        <pc:picChg chg="mod">
+          <ac:chgData name="Andriy Koval" userId="94b0ee10-df03-4853-b640-080a3ffc2346" providerId="ADAL" clId="{C6BC0901-4640-4FFA-AD7A-747A93624F54}" dt="2020-08-30T19:48:42.947" v="26" actId="14100"/>
+          <ac:picMkLst>
+            <pc:docMk/>
+            <pc:sldMk cId="2190735112" sldId="264"/>
+            <ac:picMk id="13" creationId="{99277E80-7301-48F3-BCE3-C255E80750C8}"/>
+          </ac:picMkLst>
+        </pc:picChg>
+        <pc:picChg chg="mod">
+          <ac:chgData name="Andriy Koval" userId="94b0ee10-df03-4853-b640-080a3ffc2346" providerId="ADAL" clId="{C6BC0901-4640-4FFA-AD7A-747A93624F54}" dt="2020-08-30T19:48:04.018" v="17" actId="1076"/>
+          <ac:picMkLst>
+            <pc:docMk/>
+            <pc:sldMk cId="2190735112" sldId="264"/>
+            <ac:picMk id="17" creationId="{356BEE7D-29BE-4DE5-A68B-219EE0869F8E}"/>
+          </ac:picMkLst>
+        </pc:picChg>
+        <pc:picChg chg="mod">
+          <ac:chgData name="Andriy Koval" userId="94b0ee10-df03-4853-b640-080a3ffc2346" providerId="ADAL" clId="{C6BC0901-4640-4FFA-AD7A-747A93624F54}" dt="2020-08-30T19:48:25.040" v="22" actId="14100"/>
+          <ac:picMkLst>
+            <pc:docMk/>
+            <pc:sldMk cId="2190735112" sldId="264"/>
+            <ac:picMk id="18" creationId="{5C4886FB-CA5C-453F-9EBF-4D099D3D1E4B}"/>
+          </ac:picMkLst>
+        </pc:picChg>
+      </pc:sldChg>
+    </pc:docChg>
+  </pc:docChgLst>
+  <pc:docChgLst>
     <pc:chgData name="Andriy Koval" userId="94b0ee10-df03-4853-b640-080a3ffc2346" providerId="ADAL" clId="{3026AFB8-643A-4488-BA79-F69D07BCCCAD}"/>
     <pc:docChg chg="modSld">
       <pc:chgData name="Andriy Koval" userId="94b0ee10-df03-4853-b640-080a3ffc2346" providerId="ADAL" clId="{3026AFB8-643A-4488-BA79-F69D07BCCCAD}" dt="2020-01-26T20:55:09.562" v="40" actId="1076"/>
@@ -925,7 +997,7 @@
           <a:p>
             <a:fld id="{699082D2-728E-47B7-AA51-904213E59808}" type="datetimeFigureOut">
               <a:rPr lang="en-US" smtClean="0"/>
-              <a:t>5/25/2020</a:t>
+              <a:t>2020-08-30</a:t>
             </a:fld>
             <a:endParaRPr lang="en-US"/>
           </a:p>
@@ -1095,7 +1167,7 @@
           <a:p>
             <a:fld id="{699082D2-728E-47B7-AA51-904213E59808}" type="datetimeFigureOut">
               <a:rPr lang="en-US" smtClean="0"/>
-              <a:t>5/25/2020</a:t>
+              <a:t>2020-08-30</a:t>
             </a:fld>
             <a:endParaRPr lang="en-US"/>
           </a:p>
@@ -1275,7 +1347,7 @@
           <a:p>
             <a:fld id="{699082D2-728E-47B7-AA51-904213E59808}" type="datetimeFigureOut">
               <a:rPr lang="en-US" smtClean="0"/>
-              <a:t>5/25/2020</a:t>
+              <a:t>2020-08-30</a:t>
             </a:fld>
             <a:endParaRPr lang="en-US"/>
           </a:p>
@@ -1445,7 +1517,7 @@
           <a:p>
             <a:fld id="{699082D2-728E-47B7-AA51-904213E59808}" type="datetimeFigureOut">
               <a:rPr lang="en-US" smtClean="0"/>
-              <a:t>5/25/2020</a:t>
+              <a:t>2020-08-30</a:t>
             </a:fld>
             <a:endParaRPr lang="en-US"/>
           </a:p>
@@ -1689,7 +1761,7 @@
           <a:p>
             <a:fld id="{699082D2-728E-47B7-AA51-904213E59808}" type="datetimeFigureOut">
               <a:rPr lang="en-US" smtClean="0"/>
-              <a:t>5/25/2020</a:t>
+              <a:t>2020-08-30</a:t>
             </a:fld>
             <a:endParaRPr lang="en-US"/>
           </a:p>
@@ -1921,7 +1993,7 @@
           <a:p>
             <a:fld id="{699082D2-728E-47B7-AA51-904213E59808}" type="datetimeFigureOut">
               <a:rPr lang="en-US" smtClean="0"/>
-              <a:t>5/25/2020</a:t>
+              <a:t>2020-08-30</a:t>
             </a:fld>
             <a:endParaRPr lang="en-US"/>
           </a:p>
@@ -2288,7 +2360,7 @@
           <a:p>
             <a:fld id="{699082D2-728E-47B7-AA51-904213E59808}" type="datetimeFigureOut">
               <a:rPr lang="en-US" smtClean="0"/>
-              <a:t>5/25/2020</a:t>
+              <a:t>2020-08-30</a:t>
             </a:fld>
             <a:endParaRPr lang="en-US"/>
           </a:p>
@@ -2406,7 +2478,7 @@
           <a:p>
             <a:fld id="{699082D2-728E-47B7-AA51-904213E59808}" type="datetimeFigureOut">
               <a:rPr lang="en-US" smtClean="0"/>
-              <a:t>5/25/2020</a:t>
+              <a:t>2020-08-30</a:t>
             </a:fld>
             <a:endParaRPr lang="en-US"/>
           </a:p>
@@ -2501,7 +2573,7 @@
           <a:p>
             <a:fld id="{699082D2-728E-47B7-AA51-904213E59808}" type="datetimeFigureOut">
               <a:rPr lang="en-US" smtClean="0"/>
-              <a:t>5/25/2020</a:t>
+              <a:t>2020-08-30</a:t>
             </a:fld>
             <a:endParaRPr lang="en-US"/>
           </a:p>
@@ -2778,7 +2850,7 @@
           <a:p>
             <a:fld id="{699082D2-728E-47B7-AA51-904213E59808}" type="datetimeFigureOut">
               <a:rPr lang="en-US" smtClean="0"/>
-              <a:t>5/25/2020</a:t>
+              <a:t>2020-08-30</a:t>
             </a:fld>
             <a:endParaRPr lang="en-US"/>
           </a:p>
@@ -3035,7 +3107,7 @@
           <a:p>
             <a:fld id="{699082D2-728E-47B7-AA51-904213E59808}" type="datetimeFigureOut">
               <a:rPr lang="en-US" smtClean="0"/>
-              <a:t>5/25/2020</a:t>
+              <a:t>2020-08-30</a:t>
             </a:fld>
             <a:endParaRPr lang="en-US"/>
           </a:p>
@@ -3248,7 +3320,7 @@
           <a:p>
             <a:fld id="{699082D2-728E-47B7-AA51-904213E59808}" type="datetimeFigureOut">
               <a:rPr lang="en-US" smtClean="0"/>
-              <a:t>5/25/2020</a:t>
+              <a:t>2020-08-30</a:t>
             </a:fld>
             <a:endParaRPr lang="en-US"/>
           </a:p>
@@ -7647,6 +7719,42 @@
           </a:extLst>
         </p:spPr>
       </p:pic>
+      <p:pic>
+        <p:nvPicPr>
+          <p:cNvPr id="2" name="Picture 1" descr="A close up of a keyboard&#10;&#10;Description automatically generated">
+            <a:extLst>
+              <a:ext uri="{FF2B5EF4-FFF2-40B4-BE49-F238E27FC236}">
+                <a16:creationId xmlns:a16="http://schemas.microsoft.com/office/drawing/2014/main" id="{8B65709D-4AA4-4097-803C-CC0A48BEE3F0}"/>
+              </a:ext>
+            </a:extLst>
+          </p:cNvPr>
+          <p:cNvPicPr>
+            <a:picLocks noChangeAspect="1"/>
+          </p:cNvPicPr>
+          <p:nvPr/>
+        </p:nvPicPr>
+        <p:blipFill>
+          <a:blip r:embed="rId8">
+            <a:extLst>
+              <a:ext uri="{28A0092B-C50C-407E-A947-70E740481C1C}">
+                <a14:useLocalDpi xmlns:a14="http://schemas.microsoft.com/office/drawing/2010/main" val="0"/>
+              </a:ext>
+            </a:extLst>
+          </a:blip>
+          <a:stretch>
+            <a:fillRect/>
+          </a:stretch>
+        </p:blipFill>
+        <p:spPr>
+          <a:xfrm>
+            <a:off x="60419" y="647340"/>
+            <a:ext cx="1798552" cy="786867"/>
+          </a:xfrm>
+          <a:prstGeom prst="rect">
+            <a:avLst/>
+          </a:prstGeom>
+        </p:spPr>
+      </p:pic>
     </p:spTree>
     <p:extLst>
       <p:ext uri="{BB962C8B-B14F-4D97-AF65-F5344CB8AC3E}">
@@ -7661,6 +7769,459 @@
 </file>
 
 <file path=ppt/slides/slide3.xml><?xml version="1.0" encoding="utf-8"?>
+<p:sld xmlns:a="http://schemas.openxmlformats.org/drawingml/2006/main" xmlns:r="http://schemas.openxmlformats.org/officeDocument/2006/relationships" xmlns:p="http://schemas.openxmlformats.org/presentationml/2006/main">
+  <p:cSld>
+    <p:spTree>
+      <p:nvGrpSpPr>
+        <p:cNvPr id="1" name=""/>
+        <p:cNvGrpSpPr/>
+        <p:nvPr/>
+      </p:nvGrpSpPr>
+      <p:grpSpPr>
+        <a:xfrm>
+          <a:off x="0" y="0"/>
+          <a:ext cx="0" cy="0"/>
+          <a:chOff x="0" y="0"/>
+          <a:chExt cx="0" cy="0"/>
+        </a:xfrm>
+      </p:grpSpPr>
+      <p:sp>
+        <p:nvSpPr>
+          <p:cNvPr id="4" name="Rectangle 3">
+            <a:extLst>
+              <a:ext uri="{FF2B5EF4-FFF2-40B4-BE49-F238E27FC236}">
+                <a16:creationId xmlns:a16="http://schemas.microsoft.com/office/drawing/2014/main" id="{C7655D2B-19B8-4DFA-9021-B1ECC94B9D22}"/>
+              </a:ext>
+            </a:extLst>
+          </p:cNvPr>
+          <p:cNvSpPr/>
+          <p:nvPr/>
+        </p:nvSpPr>
+        <p:spPr>
+          <a:xfrm>
+            <a:off x="0" y="2237"/>
+            <a:ext cx="7315200" cy="5375871"/>
+          </a:xfrm>
+          <a:prstGeom prst="rect">
+            <a:avLst/>
+          </a:prstGeom>
+          <a:noFill/>
+          <a:ln>
+            <a:noFill/>
+          </a:ln>
+        </p:spPr>
+        <p:style>
+          <a:lnRef idx="0">
+            <a:scrgbClr r="0" g="0" b="0"/>
+          </a:lnRef>
+          <a:fillRef idx="0">
+            <a:scrgbClr r="0" g="0" b="0"/>
+          </a:fillRef>
+          <a:effectRef idx="0">
+            <a:scrgbClr r="0" g="0" b="0"/>
+          </a:effectRef>
+          <a:fontRef idx="minor">
+            <a:schemeClr val="dk1"/>
+          </a:fontRef>
+        </p:style>
+        <p:txBody>
+          <a:bodyPr rtlCol="0" anchor="ctr"/>
+          <a:lstStyle/>
+          <a:p>
+            <a:pPr algn="ctr"/>
+            <a:endParaRPr lang="en-US">
+              <a:latin typeface="Arial" panose="020B0604020202020204" pitchFamily="34" charset="0"/>
+              <a:cs typeface="Arial" panose="020B0604020202020204" pitchFamily="34" charset="0"/>
+            </a:endParaRPr>
+          </a:p>
+        </p:txBody>
+      </p:sp>
+      <p:sp>
+        <p:nvSpPr>
+          <p:cNvPr id="5" name="Rectangle 4">
+            <a:extLst>
+              <a:ext uri="{FF2B5EF4-FFF2-40B4-BE49-F238E27FC236}">
+                <a16:creationId xmlns:a16="http://schemas.microsoft.com/office/drawing/2014/main" id="{D7B3B870-1F00-4BCE-B580-A12C4F1B87D4}"/>
+              </a:ext>
+            </a:extLst>
+          </p:cNvPr>
+          <p:cNvSpPr/>
+          <p:nvPr/>
+        </p:nvSpPr>
+        <p:spPr>
+          <a:xfrm>
+            <a:off x="0" y="629162"/>
+            <a:ext cx="7315200" cy="4114800"/>
+          </a:xfrm>
+          <a:prstGeom prst="rect">
+            <a:avLst/>
+          </a:prstGeom>
+          <a:noFill/>
+          <a:ln>
+            <a:noFill/>
+          </a:ln>
+        </p:spPr>
+        <p:style>
+          <a:lnRef idx="0">
+            <a:scrgbClr r="0" g="0" b="0"/>
+          </a:lnRef>
+          <a:fillRef idx="0">
+            <a:scrgbClr r="0" g="0" b="0"/>
+          </a:fillRef>
+          <a:effectRef idx="0">
+            <a:scrgbClr r="0" g="0" b="0"/>
+          </a:effectRef>
+          <a:fontRef idx="minor">
+            <a:schemeClr val="dk1"/>
+          </a:fontRef>
+        </p:style>
+        <p:txBody>
+          <a:bodyPr rtlCol="0" anchor="ctr"/>
+          <a:lstStyle/>
+          <a:p>
+            <a:pPr algn="ctr"/>
+            <a:endParaRPr lang="en-US" dirty="0">
+              <a:solidFill>
+                <a:schemeClr val="accent2"/>
+              </a:solidFill>
+              <a:latin typeface="Arial" panose="020B0604020202020204" pitchFamily="34" charset="0"/>
+              <a:cs typeface="Arial" panose="020B0604020202020204" pitchFamily="34" charset="0"/>
+            </a:endParaRPr>
+          </a:p>
+        </p:txBody>
+      </p:sp>
+      <p:sp>
+        <p:nvSpPr>
+          <p:cNvPr id="20" name="Rectangle 19">
+            <a:extLst>
+              <a:ext uri="{FF2B5EF4-FFF2-40B4-BE49-F238E27FC236}">
+                <a16:creationId xmlns:a16="http://schemas.microsoft.com/office/drawing/2014/main" id="{44B3C268-0FD1-4AA2-A775-2C1F6C3D736C}"/>
+              </a:ext>
+            </a:extLst>
+          </p:cNvPr>
+          <p:cNvSpPr/>
+          <p:nvPr/>
+        </p:nvSpPr>
+        <p:spPr>
+          <a:xfrm>
+            <a:off x="0" y="1405780"/>
+            <a:ext cx="7315200" cy="2560320"/>
+          </a:xfrm>
+          <a:prstGeom prst="rect">
+            <a:avLst/>
+          </a:prstGeom>
+          <a:noFill/>
+          <a:ln>
+            <a:noFill/>
+          </a:ln>
+        </p:spPr>
+        <p:style>
+          <a:lnRef idx="0">
+            <a:scrgbClr r="0" g="0" b="0"/>
+          </a:lnRef>
+          <a:fillRef idx="0">
+            <a:scrgbClr r="0" g="0" b="0"/>
+          </a:fillRef>
+          <a:effectRef idx="0">
+            <a:scrgbClr r="0" g="0" b="0"/>
+          </a:effectRef>
+          <a:fontRef idx="minor">
+            <a:schemeClr val="dk1"/>
+          </a:fontRef>
+        </p:style>
+        <p:txBody>
+          <a:bodyPr rtlCol="0" anchor="ctr"/>
+          <a:lstStyle/>
+          <a:p>
+            <a:pPr algn="ctr"/>
+            <a:endParaRPr lang="en-US">
+              <a:latin typeface="Arial" panose="020B0604020202020204" pitchFamily="34" charset="0"/>
+              <a:cs typeface="Arial" panose="020B0604020202020204" pitchFamily="34" charset="0"/>
+            </a:endParaRPr>
+          </a:p>
+        </p:txBody>
+      </p:sp>
+      <p:pic>
+        <p:nvPicPr>
+          <p:cNvPr id="7" name="Picture 6">
+            <a:extLst>
+              <a:ext uri="{FF2B5EF4-FFF2-40B4-BE49-F238E27FC236}">
+                <a16:creationId xmlns:a16="http://schemas.microsoft.com/office/drawing/2014/main" id="{D210D7B2-F005-4842-A657-028D18383647}"/>
+              </a:ext>
+            </a:extLst>
+          </p:cNvPr>
+          <p:cNvPicPr>
+            <a:picLocks noChangeAspect="1"/>
+          </p:cNvPicPr>
+          <p:nvPr/>
+        </p:nvPicPr>
+        <p:blipFill>
+          <a:blip r:embed="rId2"/>
+          <a:stretch>
+            <a:fillRect/>
+          </a:stretch>
+        </p:blipFill>
+        <p:spPr>
+          <a:xfrm>
+            <a:off x="3927780" y="988145"/>
+            <a:ext cx="3335392" cy="714466"/>
+          </a:xfrm>
+          <a:prstGeom prst="rect">
+            <a:avLst/>
+          </a:prstGeom>
+          <a:noFill/>
+          <a:ln>
+            <a:noFill/>
+          </a:ln>
+        </p:spPr>
+        <p:style>
+          <a:lnRef idx="0">
+            <a:scrgbClr r="0" g="0" b="0"/>
+          </a:lnRef>
+          <a:fillRef idx="0">
+            <a:scrgbClr r="0" g="0" b="0"/>
+          </a:fillRef>
+          <a:effectRef idx="0">
+            <a:scrgbClr r="0" g="0" b="0"/>
+          </a:effectRef>
+          <a:fontRef idx="minor">
+            <a:schemeClr val="dk1"/>
+          </a:fontRef>
+        </p:style>
+      </p:pic>
+      <p:pic>
+        <p:nvPicPr>
+          <p:cNvPr id="6" name="Picture 5" descr="A close up of a map&#10;&#10;Description automatically generated">
+            <a:extLst>
+              <a:ext uri="{FF2B5EF4-FFF2-40B4-BE49-F238E27FC236}">
+                <a16:creationId xmlns:a16="http://schemas.microsoft.com/office/drawing/2014/main" id="{6C315C0F-6479-4433-B4F7-9C8106557D7C}"/>
+              </a:ext>
+            </a:extLst>
+          </p:cNvPr>
+          <p:cNvPicPr>
+            <a:picLocks noChangeAspect="1"/>
+          </p:cNvPicPr>
+          <p:nvPr/>
+        </p:nvPicPr>
+        <p:blipFill rotWithShape="1">
+          <a:blip r:embed="rId3">
+            <a:extLst>
+              <a:ext uri="{28A0092B-C50C-407E-A947-70E740481C1C}">
+                <a14:useLocalDpi xmlns:a14="http://schemas.microsoft.com/office/drawing/2010/main" val="0"/>
+              </a:ext>
+            </a:extLst>
+          </a:blip>
+          <a:srcRect l="50020"/>
+          <a:stretch/>
+        </p:blipFill>
+        <p:spPr>
+          <a:xfrm>
+            <a:off x="49027" y="2874489"/>
+            <a:ext cx="1809531" cy="1810249"/>
+          </a:xfrm>
+          <a:prstGeom prst="rect">
+            <a:avLst/>
+          </a:prstGeom>
+        </p:spPr>
+      </p:pic>
+      <p:pic>
+        <p:nvPicPr>
+          <p:cNvPr id="11" name="Picture 10" descr="A close up of a map&#10;&#10;Description automatically generated">
+            <a:extLst>
+              <a:ext uri="{FF2B5EF4-FFF2-40B4-BE49-F238E27FC236}">
+                <a16:creationId xmlns:a16="http://schemas.microsoft.com/office/drawing/2014/main" id="{BC384662-5286-45F9-B9DF-80432D1B531D}"/>
+              </a:ext>
+            </a:extLst>
+          </p:cNvPr>
+          <p:cNvPicPr>
+            <a:picLocks noChangeAspect="1"/>
+          </p:cNvPicPr>
+          <p:nvPr/>
+        </p:nvPicPr>
+        <p:blipFill rotWithShape="1">
+          <a:blip r:embed="rId4">
+            <a:extLst>
+              <a:ext uri="{28A0092B-C50C-407E-A947-70E740481C1C}">
+                <a14:useLocalDpi xmlns:a14="http://schemas.microsoft.com/office/drawing/2010/main" val="0"/>
+              </a:ext>
+            </a:extLst>
+          </a:blip>
+          <a:srcRect b="51742"/>
+          <a:stretch/>
+        </p:blipFill>
+        <p:spPr>
+          <a:xfrm>
+            <a:off x="2452903" y="1834809"/>
+            <a:ext cx="4856729" cy="1171878"/>
+          </a:xfrm>
+          <a:prstGeom prst="rect">
+            <a:avLst/>
+          </a:prstGeom>
+        </p:spPr>
+      </p:pic>
+      <p:pic>
+        <p:nvPicPr>
+          <p:cNvPr id="13" name="Picture 12" descr="A close up of a map&#10;&#10;Description automatically generated">
+            <a:extLst>
+              <a:ext uri="{FF2B5EF4-FFF2-40B4-BE49-F238E27FC236}">
+                <a16:creationId xmlns:a16="http://schemas.microsoft.com/office/drawing/2014/main" id="{99277E80-7301-48F3-BCE3-C255E80750C8}"/>
+              </a:ext>
+            </a:extLst>
+          </p:cNvPr>
+          <p:cNvPicPr>
+            <a:picLocks noChangeAspect="1"/>
+          </p:cNvPicPr>
+          <p:nvPr/>
+        </p:nvPicPr>
+        <p:blipFill>
+          <a:blip r:embed="rId5">
+            <a:extLst>
+              <a:ext uri="{28A0092B-C50C-407E-A947-70E740481C1C}">
+                <a14:useLocalDpi xmlns:a14="http://schemas.microsoft.com/office/drawing/2010/main" val="0"/>
+              </a:ext>
+            </a:extLst>
+          </a:blip>
+          <a:stretch>
+            <a:fillRect/>
+          </a:stretch>
+        </p:blipFill>
+        <p:spPr>
+          <a:xfrm>
+            <a:off x="1933209" y="3023277"/>
+            <a:ext cx="5381991" cy="1569748"/>
+          </a:xfrm>
+          <a:prstGeom prst="rect">
+            <a:avLst/>
+          </a:prstGeom>
+        </p:spPr>
+      </p:pic>
+      <p:pic>
+        <p:nvPicPr>
+          <p:cNvPr id="17" name="Picture 16">
+            <a:extLst>
+              <a:ext uri="{FF2B5EF4-FFF2-40B4-BE49-F238E27FC236}">
+                <a16:creationId xmlns:a16="http://schemas.microsoft.com/office/drawing/2014/main" id="{356BEE7D-29BE-4DE5-A68B-219EE0869F8E}"/>
+              </a:ext>
+            </a:extLst>
+          </p:cNvPr>
+          <p:cNvPicPr>
+            <a:picLocks noChangeAspect="1"/>
+          </p:cNvPicPr>
+          <p:nvPr/>
+        </p:nvPicPr>
+        <p:blipFill>
+          <a:blip r:embed="rId6"/>
+          <a:stretch>
+            <a:fillRect/>
+          </a:stretch>
+        </p:blipFill>
+        <p:spPr>
+          <a:xfrm>
+            <a:off x="2565291" y="964109"/>
+            <a:ext cx="1134825" cy="756550"/>
+          </a:xfrm>
+          <a:prstGeom prst="rect">
+            <a:avLst/>
+          </a:prstGeom>
+        </p:spPr>
+      </p:pic>
+      <p:pic>
+        <p:nvPicPr>
+          <p:cNvPr id="18" name="Picture 6">
+            <a:extLst>
+              <a:ext uri="{FF2B5EF4-FFF2-40B4-BE49-F238E27FC236}">
+                <a16:creationId xmlns:a16="http://schemas.microsoft.com/office/drawing/2014/main" id="{5C4886FB-CA5C-453F-9EBF-4D099D3D1E4B}"/>
+              </a:ext>
+            </a:extLst>
+          </p:cNvPr>
+          <p:cNvPicPr>
+            <a:picLocks noChangeAspect="1" noChangeArrowheads="1"/>
+          </p:cNvPicPr>
+          <p:nvPr/>
+        </p:nvPicPr>
+        <p:blipFill>
+          <a:blip r:embed="rId7">
+            <a:extLst>
+              <a:ext uri="{28A0092B-C50C-407E-A947-70E740481C1C}">
+                <a14:useLocalDpi xmlns:a14="http://schemas.microsoft.com/office/drawing/2010/main" val="0"/>
+              </a:ext>
+            </a:extLst>
+          </a:blip>
+          <a:srcRect/>
+          <a:stretch>
+            <a:fillRect/>
+          </a:stretch>
+        </p:blipFill>
+        <p:spPr bwMode="auto">
+          <a:xfrm>
+            <a:off x="149301" y="1702611"/>
+            <a:ext cx="2080929" cy="1171878"/>
+          </a:xfrm>
+          <a:prstGeom prst="rect">
+            <a:avLst/>
+          </a:prstGeom>
+          <a:noFill/>
+          <a:extLst>
+            <a:ext uri="{909E8E84-426E-40DD-AFC4-6F175D3DCCD1}">
+              <a14:hiddenFill xmlns:a14="http://schemas.microsoft.com/office/drawing/2010/main">
+                <a:solidFill>
+                  <a:srgbClr val="FFFFFF"/>
+                </a:solidFill>
+              </a14:hiddenFill>
+            </a:ext>
+          </a:extLst>
+        </p:spPr>
+      </p:pic>
+      <p:pic>
+        <p:nvPicPr>
+          <p:cNvPr id="2" name="Picture 1" descr="A close up of a keyboard&#10;&#10;Description automatically generated">
+            <a:extLst>
+              <a:ext uri="{FF2B5EF4-FFF2-40B4-BE49-F238E27FC236}">
+                <a16:creationId xmlns:a16="http://schemas.microsoft.com/office/drawing/2014/main" id="{8B65709D-4AA4-4097-803C-CC0A48BEE3F0}"/>
+              </a:ext>
+            </a:extLst>
+          </p:cNvPr>
+          <p:cNvPicPr>
+            <a:picLocks noChangeAspect="1"/>
+          </p:cNvPicPr>
+          <p:nvPr/>
+        </p:nvPicPr>
+        <p:blipFill>
+          <a:blip r:embed="rId8">
+            <a:extLst>
+              <a:ext uri="{28A0092B-C50C-407E-A947-70E740481C1C}">
+                <a14:useLocalDpi xmlns:a14="http://schemas.microsoft.com/office/drawing/2010/main" val="0"/>
+              </a:ext>
+            </a:extLst>
+          </a:blip>
+          <a:stretch>
+            <a:fillRect/>
+          </a:stretch>
+        </p:blipFill>
+        <p:spPr>
+          <a:xfrm>
+            <a:off x="60419" y="647340"/>
+            <a:ext cx="2315100" cy="1012857"/>
+          </a:xfrm>
+          <a:prstGeom prst="rect">
+            <a:avLst/>
+          </a:prstGeom>
+        </p:spPr>
+      </p:pic>
+    </p:spTree>
+    <p:extLst>
+      <p:ext uri="{BB962C8B-B14F-4D97-AF65-F5344CB8AC3E}">
+        <p14:creationId xmlns:p14="http://schemas.microsoft.com/office/powerpoint/2010/main" val="2190735112"/>
+      </p:ext>
+    </p:extLst>
+  </p:cSld>
+  <p:clrMapOvr>
+    <a:masterClrMapping/>
+  </p:clrMapOvr>
+</p:sld>
+</file>
+
+<file path=ppt/slides/slide4.xml><?xml version="1.0" encoding="utf-8"?>
 <p:sld xmlns:a="http://schemas.openxmlformats.org/drawingml/2006/main" xmlns:r="http://schemas.openxmlformats.org/officeDocument/2006/relationships" xmlns:p="http://schemas.openxmlformats.org/presentationml/2006/main">
   <p:cSld>
     <p:spTree>
@@ -8375,21 +8936,21 @@
 </file>
 
 <file path=customXml/item1.xml><?xml version="1.0" encoding="utf-8"?>
+<p:properties xmlns:p="http://schemas.microsoft.com/office/2006/metadata/properties" xmlns:xsi="http://www.w3.org/2001/XMLSchema-instance" xmlns:pc="http://schemas.microsoft.com/office/infopath/2007/PartnerControls">
+  <documentManagement>
+    <_ip_UnifiedCompliancePolicyUIAction xmlns="http://schemas.microsoft.com/sharepoint/v3" xsi:nil="true"/>
+    <_ip_UnifiedCompliancePolicyProperties xmlns="http://schemas.microsoft.com/sharepoint/v3" xsi:nil="true"/>
+  </documentManagement>
+</p:properties>
+</file>
+
+<file path=customXml/item2.xml><?xml version="1.0" encoding="utf-8"?>
 <?mso-contentType ?>
 <FormTemplates xmlns="http://schemas.microsoft.com/sharepoint/v3/contenttype/forms">
   <Display>DocumentLibraryForm</Display>
   <Edit>DocumentLibraryForm</Edit>
   <New>DocumentLibraryForm</New>
 </FormTemplates>
-</file>
-
-<file path=customXml/item2.xml><?xml version="1.0" encoding="utf-8"?>
-<p:properties xmlns:p="http://schemas.microsoft.com/office/2006/metadata/properties" xmlns:xsi="http://www.w3.org/2001/XMLSchema-instance" xmlns:pc="http://schemas.microsoft.com/office/infopath/2007/PartnerControls">
-  <documentManagement>
-    <_ip_UnifiedCompliancePolicyUIAction xmlns="http://schemas.microsoft.com/sharepoint/v3" xsi:nil="true"/>
-    <_ip_UnifiedCompliancePolicyProperties xmlns="http://schemas.microsoft.com/sharepoint/v3" xsi:nil="true"/>
-  </documentManagement>
-</p:properties>
 </file>
 
 <file path=customXml/item3.xml><?xml version="1.0" encoding="utf-8"?>
@@ -8633,19 +9194,19 @@
 </file>
 
 <file path=customXml/itemProps1.xml><?xml version="1.0" encoding="utf-8"?>
-<ds:datastoreItem xmlns:ds="http://schemas.openxmlformats.org/officeDocument/2006/customXml" ds:itemID="{07AA66D3-A468-4FD2-B192-9E6BD79914F3}">
+<ds:datastoreItem xmlns:ds="http://schemas.openxmlformats.org/officeDocument/2006/customXml" ds:itemID="{92329657-48FE-49A3-A424-7C5B871C3595}">
   <ds:schemaRefs>
-    <ds:schemaRef ds:uri="http://schemas.microsoft.com/sharepoint/v3/contenttype/forms"/>
+    <ds:schemaRef ds:uri="http://schemas.microsoft.com/office/2006/metadata/properties"/>
+    <ds:schemaRef ds:uri="http://schemas.microsoft.com/office/infopath/2007/PartnerControls"/>
+    <ds:schemaRef ds:uri="http://schemas.microsoft.com/sharepoint/v3"/>
   </ds:schemaRefs>
 </ds:datastoreItem>
 </file>
 
 <file path=customXml/itemProps2.xml><?xml version="1.0" encoding="utf-8"?>
-<ds:datastoreItem xmlns:ds="http://schemas.openxmlformats.org/officeDocument/2006/customXml" ds:itemID="{92329657-48FE-49A3-A424-7C5B871C3595}">
+<ds:datastoreItem xmlns:ds="http://schemas.openxmlformats.org/officeDocument/2006/customXml" ds:itemID="{07AA66D3-A468-4FD2-B192-9E6BD79914F3}">
   <ds:schemaRefs>
-    <ds:schemaRef ds:uri="http://schemas.microsoft.com/office/2006/metadata/properties"/>
-    <ds:schemaRef ds:uri="http://schemas.microsoft.com/office/infopath/2007/PartnerControls"/>
-    <ds:schemaRef ds:uri="http://schemas.microsoft.com/sharepoint/v3"/>
+    <ds:schemaRef ds:uri="http://schemas.microsoft.com/sharepoint/v3/contenttype/forms"/>
   </ds:schemaRefs>
 </ds:datastoreItem>
 </file>
